--- a/CW2/Submission/Text Summarization.pptx
+++ b/CW2/Submission/Text Summarization.pptx
@@ -488,7 +488,7 @@
           <a:p>
             <a:fld id="{7D9FD6EF-153D-4C10-87C5-506FEAC8B33A}" type="datetimeFigureOut">
               <a:rPr lang="en-GB" smtClean="0"/>
-              <a:t>08/04/2020</a:t>
+              <a:t>01/05/2020</a:t>
             </a:fld>
             <a:endParaRPr lang="en-GB"/>
           </a:p>
@@ -735,7 +735,7 @@
           <a:p>
             <a:fld id="{7D9FD6EF-153D-4C10-87C5-506FEAC8B33A}" type="datetimeFigureOut">
               <a:rPr lang="en-GB" smtClean="0"/>
-              <a:t>08/04/2020</a:t>
+              <a:t>01/05/2020</a:t>
             </a:fld>
             <a:endParaRPr lang="en-GB"/>
           </a:p>
@@ -1121,7 +1121,7 @@
           <a:p>
             <a:fld id="{7D9FD6EF-153D-4C10-87C5-506FEAC8B33A}" type="datetimeFigureOut">
               <a:rPr lang="en-GB" smtClean="0"/>
-              <a:t>08/04/2020</a:t>
+              <a:t>01/05/2020</a:t>
             </a:fld>
             <a:endParaRPr lang="en-GB"/>
           </a:p>
@@ -1350,7 +1350,7 @@
           <a:p>
             <a:fld id="{7D9FD6EF-153D-4C10-87C5-506FEAC8B33A}" type="datetimeFigureOut">
               <a:rPr lang="en-GB" smtClean="0"/>
-              <a:t>08/04/2020</a:t>
+              <a:t>01/05/2020</a:t>
             </a:fld>
             <a:endParaRPr lang="en-GB"/>
           </a:p>
@@ -1841,7 +1841,7 @@
           <a:p>
             <a:fld id="{7D9FD6EF-153D-4C10-87C5-506FEAC8B33A}" type="datetimeFigureOut">
               <a:rPr lang="en-GB" smtClean="0"/>
-              <a:t>08/04/2020</a:t>
+              <a:t>01/05/2020</a:t>
             </a:fld>
             <a:endParaRPr lang="en-GB"/>
           </a:p>
@@ -2151,7 +2151,7 @@
           <a:p>
             <a:fld id="{7D9FD6EF-153D-4C10-87C5-506FEAC8B33A}" type="datetimeFigureOut">
               <a:rPr lang="en-GB" smtClean="0"/>
-              <a:t>08/04/2020</a:t>
+              <a:t>01/05/2020</a:t>
             </a:fld>
             <a:endParaRPr lang="en-GB"/>
           </a:p>
@@ -2542,7 +2542,7 @@
           <a:p>
             <a:fld id="{7D9FD6EF-153D-4C10-87C5-506FEAC8B33A}" type="datetimeFigureOut">
               <a:rPr lang="en-GB" smtClean="0"/>
-              <a:t>08/04/2020</a:t>
+              <a:t>01/05/2020</a:t>
             </a:fld>
             <a:endParaRPr lang="en-GB"/>
           </a:p>
@@ -2660,7 +2660,7 @@
           <a:p>
             <a:fld id="{7D9FD6EF-153D-4C10-87C5-506FEAC8B33A}" type="datetimeFigureOut">
               <a:rPr lang="en-GB" smtClean="0"/>
-              <a:t>08/04/2020</a:t>
+              <a:t>01/05/2020</a:t>
             </a:fld>
             <a:endParaRPr lang="en-GB"/>
           </a:p>
@@ -2755,7 +2755,7 @@
           <a:p>
             <a:fld id="{7D9FD6EF-153D-4C10-87C5-506FEAC8B33A}" type="datetimeFigureOut">
               <a:rPr lang="en-GB" smtClean="0"/>
-              <a:t>08/04/2020</a:t>
+              <a:t>01/05/2020</a:t>
             </a:fld>
             <a:endParaRPr lang="en-GB"/>
           </a:p>
@@ -3055,7 +3055,7 @@
           <a:p>
             <a:fld id="{7D9FD6EF-153D-4C10-87C5-506FEAC8B33A}" type="datetimeFigureOut">
               <a:rPr lang="en-GB" smtClean="0"/>
-              <a:t>08/04/2020</a:t>
+              <a:t>01/05/2020</a:t>
             </a:fld>
             <a:endParaRPr lang="en-GB"/>
           </a:p>
@@ -3320,7 +3320,7 @@
           <a:p>
             <a:fld id="{7D9FD6EF-153D-4C10-87C5-506FEAC8B33A}" type="datetimeFigureOut">
               <a:rPr lang="en-GB" smtClean="0"/>
-              <a:t>08/04/2020</a:t>
+              <a:t>01/05/2020</a:t>
             </a:fld>
             <a:endParaRPr lang="en-GB"/>
           </a:p>
@@ -3738,7 +3738,7 @@
           <a:p>
             <a:fld id="{7D9FD6EF-153D-4C10-87C5-506FEAC8B33A}" type="datetimeFigureOut">
               <a:rPr lang="en-GB" smtClean="0"/>
-              <a:t>08/04/2020</a:t>
+              <a:t>01/05/2020</a:t>
             </a:fld>
             <a:endParaRPr lang="en-GB"/>
           </a:p>
@@ -5167,13 +5167,13 @@
           <a:p>
             <a:r>
               <a:rPr lang="en-GB" dirty="0"/>
-              <a:t>Summaries reduce a document allowing a reader to decide the documents importance and if it needs to be read or can be kept for later.</a:t>
+              <a:t>Summaries reduce a document to its key details, allowing a reader to decide the documents importance; if it needs to be read now or can be kept for later.</a:t>
             </a:r>
           </a:p>
           <a:p>
             <a:r>
               <a:rPr lang="en-GB" dirty="0"/>
-              <a:t>To generate a summary a document needs to read by an unbiased expert who will then reduce the document to its core features, the depth of information on the internet makes this difficult.</a:t>
+              <a:t>To generate a summary a document needs to read by an unbiased expert who will then reduce the document to its core meaningful sentences, the depth of information on the internet makes this difficult.</a:t>
             </a:r>
           </a:p>
         </p:txBody>
@@ -7661,15 +7661,21 @@
         </p:nvSpPr>
         <p:spPr>
           <a:xfrm>
-            <a:off x="762000" y="559678"/>
-            <a:ext cx="3833906" cy="1452002"/>
+            <a:off x="3037449" y="531543"/>
+            <a:ext cx="6117102" cy="1452002"/>
           </a:xfrm>
         </p:spPr>
         <p:txBody>
-          <a:bodyPr/>
+          <a:bodyPr>
+            <a:normAutofit fontScale="90000"/>
+          </a:bodyPr>
           <a:lstStyle/>
           <a:p>
-            <a:endParaRPr lang="en-GB" dirty="0"/>
+            <a:pPr algn="ctr"/>
+            <a:r>
+              <a:rPr lang="en-GB" dirty="0"/>
+              <a:t>Restricted Boltzmann Machine &amp; fuzzy logic</a:t>
+            </a:r>
           </a:p>
         </p:txBody>
       </p:sp>
